--- a/Survey on Algorithms for Personalized Patient Health Diagnosis.pptx
+++ b/Survey on Algorithms for Personalized Patient Health Diagnosis.pptx
@@ -5,20 +5,21 @@
     <p:sldMasterId id="2147483660" r:id="rId1"/>
   </p:sldMasterIdLst>
   <p:notesMasterIdLst>
-    <p:notesMasterId r:id="rId13"/>
+    <p:notesMasterId r:id="rId14"/>
   </p:notesMasterIdLst>
   <p:sldIdLst>
     <p:sldId id="256" r:id="rId2"/>
     <p:sldId id="257" r:id="rId3"/>
     <p:sldId id="258" r:id="rId4"/>
-    <p:sldId id="259" r:id="rId5"/>
-    <p:sldId id="260" r:id="rId6"/>
-    <p:sldId id="261" r:id="rId7"/>
-    <p:sldId id="262" r:id="rId8"/>
-    <p:sldId id="263" r:id="rId9"/>
-    <p:sldId id="264" r:id="rId10"/>
-    <p:sldId id="265" r:id="rId11"/>
-    <p:sldId id="266" r:id="rId12"/>
+    <p:sldId id="267" r:id="rId5"/>
+    <p:sldId id="259" r:id="rId6"/>
+    <p:sldId id="260" r:id="rId7"/>
+    <p:sldId id="261" r:id="rId8"/>
+    <p:sldId id="262" r:id="rId9"/>
+    <p:sldId id="263" r:id="rId10"/>
+    <p:sldId id="264" r:id="rId11"/>
+    <p:sldId id="265" r:id="rId12"/>
+    <p:sldId id="266" r:id="rId13"/>
   </p:sldIdLst>
   <p:sldSz cx="12192000" cy="6858000"/>
   <p:notesSz cx="6858000" cy="9144000"/>
@@ -117,6 +118,11 @@
       </a:defRPr>
     </a:lvl9pPr>
   </p:defaultTextStyle>
+  <p:extLst>
+    <p:ext uri="{EFAFB233-063F-42B5-8137-9DF3F51BA10A}">
+      <p15:sldGuideLst xmlns:p15="http://schemas.microsoft.com/office/powerpoint/2012/main"/>
+    </p:ext>
+  </p:extLst>
 </p:presentation>
 </file>
 
@@ -4572,7 +4578,7 @@
           <a:p>
             <a:fld id="{E4A281A1-2E8A-4B4C-805A-AC0A1E47703C}" type="datetimeFigureOut">
               <a:rPr lang="en-US" smtClean="0"/>
-              <a:t>4/28/25</a:t>
+              <a:t>5/1/25</a:t>
             </a:fld>
             <a:endParaRPr lang="en-US"/>
           </a:p>
@@ -5076,7 +5082,7 @@
           <a:p>
             <a:fld id="{C128FA71-3A18-48C0-980F-4B68F7F63042}" type="datetime1">
               <a:rPr lang="en-US" smtClean="0"/>
-              <a:t>4/28/25</a:t>
+              <a:t>5/1/25</a:t>
             </a:fld>
             <a:endParaRPr lang="en-US"/>
           </a:p>
@@ -5284,7 +5290,7 @@
           <a:p>
             <a:fld id="{7104EDB3-C0E8-45F8-9E1D-1B6C8D1880C0}" type="datetime1">
               <a:rPr lang="en-US" smtClean="0"/>
-              <a:t>4/28/25</a:t>
+              <a:t>5/1/25</a:t>
             </a:fld>
             <a:endParaRPr lang="en-US"/>
           </a:p>
@@ -5494,7 +5500,7 @@
           <a:p>
             <a:fld id="{9CF0EC4B-54ED-4041-B552-9BA760FA3DBA}" type="datetime1">
               <a:rPr lang="en-US" smtClean="0"/>
-              <a:t>4/28/25</a:t>
+              <a:t>5/1/25</a:t>
             </a:fld>
             <a:endParaRPr lang="en-US"/>
           </a:p>
@@ -5692,7 +5698,7 @@
           <a:p>
             <a:fld id="{51C1210E-201E-4473-82AC-2466F5386C38}" type="datetime1">
               <a:rPr lang="en-US" smtClean="0"/>
-              <a:t>4/28/25</a:t>
+              <a:t>5/1/25</a:t>
             </a:fld>
             <a:endParaRPr lang="en-US"/>
           </a:p>
@@ -5970,7 +5976,7 @@
           <a:p>
             <a:fld id="{B01EA198-6CAB-4B8F-B93F-1F9C8C4B6CE7}" type="datetime1">
               <a:rPr lang="en-US" smtClean="0"/>
-              <a:t>4/28/25</a:t>
+              <a:t>5/1/25</a:t>
             </a:fld>
             <a:endParaRPr lang="en-US"/>
           </a:p>
@@ -6242,7 +6248,7 @@
           <a:p>
             <a:fld id="{CA06041F-4525-44D5-AA4F-332294BF1F56}" type="datetime1">
               <a:rPr lang="en-US" smtClean="0"/>
-              <a:t>4/28/25</a:t>
+              <a:t>5/1/25</a:t>
             </a:fld>
             <a:endParaRPr lang="en-US"/>
           </a:p>
@@ -6666,7 +6672,7 @@
           <a:p>
             <a:fld id="{F9557091-BBDF-4EB9-BA6B-2BB67AC4FC0F}" type="datetime1">
               <a:rPr lang="en-US" smtClean="0"/>
-              <a:t>4/28/25</a:t>
+              <a:t>5/1/25</a:t>
             </a:fld>
             <a:endParaRPr lang="en-US"/>
           </a:p>
@@ -6807,7 +6813,7 @@
           <a:p>
             <a:fld id="{2D6B226B-77A6-410C-9796-083F278E0125}" type="datetime1">
               <a:rPr lang="en-US" smtClean="0"/>
-              <a:t>4/28/25</a:t>
+              <a:t>5/1/25</a:t>
             </a:fld>
             <a:endParaRPr lang="en-US"/>
           </a:p>
@@ -6920,7 +6926,7 @@
           <a:p>
             <a:fld id="{A23A578B-D289-4C40-8593-3D356C49DA58}" type="datetime1">
               <a:rPr lang="en-US" smtClean="0"/>
-              <a:t>4/28/25</a:t>
+              <a:t>5/1/25</a:t>
             </a:fld>
             <a:endParaRPr lang="en-US"/>
           </a:p>
@@ -7239,7 +7245,7 @@
           <a:p>
             <a:fld id="{713DFAE3-14DB-48A7-A80F-80DDB072CE3D}" type="datetime1">
               <a:rPr lang="en-US" smtClean="0"/>
-              <a:t>4/28/25</a:t>
+              <a:t>5/1/25</a:t>
             </a:fld>
             <a:endParaRPr lang="en-US"/>
           </a:p>
@@ -7533,7 +7539,7 @@
           <a:p>
             <a:fld id="{92C5EAEF-6478-4102-8F5D-A5FE9FC97ACB}" type="datetime1">
               <a:rPr lang="en-US" smtClean="0"/>
-              <a:t>4/28/25</a:t>
+              <a:t>5/1/25</a:t>
             </a:fld>
             <a:endParaRPr lang="en-US"/>
           </a:p>
@@ -7774,7 +7780,7 @@
           <a:p>
             <a:fld id="{67F45AC6-C491-4585-A584-9CE2AF7D5500}" type="datetime1">
               <a:rPr lang="en-US" smtClean="0"/>
-              <a:t>4/28/25</a:t>
+              <a:t>5/1/25</a:t>
             </a:fld>
             <a:endParaRPr lang="en-US"/>
           </a:p>
@@ -8512,6 +8518,413 @@
 </file>
 
 <file path=ppt/slides/slide10.xml><?xml version="1.0" encoding="utf-8"?>
+<p:sld xmlns:a="http://schemas.openxmlformats.org/drawingml/2006/main" xmlns:r="http://schemas.openxmlformats.org/officeDocument/2006/relationships" xmlns:p="http://schemas.openxmlformats.org/presentationml/2006/main">
+  <p:cSld>
+    <p:spTree>
+      <p:nvGrpSpPr>
+        <p:cNvPr id="1" name=""/>
+        <p:cNvGrpSpPr/>
+        <p:nvPr/>
+      </p:nvGrpSpPr>
+      <p:grpSpPr>
+        <a:xfrm>
+          <a:off x="0" y="0"/>
+          <a:ext cx="0" cy="0"/>
+          <a:chOff x="0" y="0"/>
+          <a:chExt cx="0" cy="0"/>
+        </a:xfrm>
+      </p:grpSpPr>
+      <p:sp>
+        <p:nvSpPr>
+          <p:cNvPr id="2" name="Title 1">
+            <a:extLst>
+              <a:ext uri="{FF2B5EF4-FFF2-40B4-BE49-F238E27FC236}">
+                <a16:creationId xmlns:a16="http://schemas.microsoft.com/office/drawing/2014/main" id="{D37670C9-0F02-0680-8B8D-2F952372FA69}"/>
+              </a:ext>
+            </a:extLst>
+          </p:cNvPr>
+          <p:cNvSpPr>
+            <a:spLocks noGrp="1"/>
+          </p:cNvSpPr>
+          <p:nvPr>
+            <p:ph type="title"/>
+          </p:nvPr>
+        </p:nvSpPr>
+        <p:spPr/>
+        <p:txBody>
+          <a:bodyPr/>
+          <a:lstStyle/>
+          <a:p>
+            <a:r>
+              <a:rPr lang="en-US" dirty="0"/>
+              <a:t>Statistical Modeling</a:t>
+            </a:r>
+          </a:p>
+        </p:txBody>
+      </p:sp>
+      <p:sp>
+        <p:nvSpPr>
+          <p:cNvPr id="3" name="Content Placeholder 2">
+            <a:extLst>
+              <a:ext uri="{FF2B5EF4-FFF2-40B4-BE49-F238E27FC236}">
+                <a16:creationId xmlns:a16="http://schemas.microsoft.com/office/drawing/2014/main" id="{32BD3D61-C166-2A9B-2C5D-A2B5A8D115F2}"/>
+              </a:ext>
+            </a:extLst>
+          </p:cNvPr>
+          <p:cNvSpPr>
+            <a:spLocks noGrp="1"/>
+          </p:cNvSpPr>
+          <p:nvPr>
+            <p:ph idx="1"/>
+          </p:nvPr>
+        </p:nvSpPr>
+        <p:spPr/>
+        <p:txBody>
+          <a:bodyPr>
+            <a:normAutofit fontScale="85000" lnSpcReduction="20000"/>
+          </a:bodyPr>
+          <a:lstStyle/>
+          <a:p>
+            <a:pPr marR="0" indent="0">
+              <a:spcBef>
+                <a:spcPts val="0"/>
+              </a:spcBef>
+              <a:spcAft>
+                <a:spcPts val="0"/>
+              </a:spcAft>
+              <a:buNone/>
+            </a:pPr>
+            <a:r>
+              <a:rPr lang="en-US" sz="1800" dirty="0">
+                <a:effectLst/>
+                <a:latin typeface="Times New Roman" panose="02020603050405020304" pitchFamily="18" charset="0"/>
+                <a:ea typeface="Times New Roman" panose="02020603050405020304" pitchFamily="18" charset="0"/>
+              </a:rPr>
+              <a:t>Statistical Modeling is another method of utilizing models to predict a diagnosis. An excellent example can be found in the paper, </a:t>
+            </a:r>
+            <a:r>
+              <a:rPr lang="en-US" sz="1800" i="1" dirty="0">
+                <a:effectLst/>
+                <a:latin typeface="Times New Roman" panose="02020603050405020304" pitchFamily="18" charset="0"/>
+                <a:ea typeface="Times New Roman" panose="02020603050405020304" pitchFamily="18" charset="0"/>
+              </a:rPr>
+              <a:t>Evolving a Bayesian classifier for ECG-based age classification in medical applications by M. Wiggins , A. Saad, B. </a:t>
+            </a:r>
+            <a:r>
+              <a:rPr lang="en-US" sz="1800" i="1" dirty="0" err="1">
+                <a:effectLst/>
+                <a:latin typeface="Times New Roman" panose="02020603050405020304" pitchFamily="18" charset="0"/>
+                <a:ea typeface="Times New Roman" panose="02020603050405020304" pitchFamily="18" charset="0"/>
+              </a:rPr>
+              <a:t>Litt</a:t>
+            </a:r>
+            <a:r>
+              <a:rPr lang="en-US" sz="1800" i="1" dirty="0">
+                <a:effectLst/>
+                <a:latin typeface="Times New Roman" panose="02020603050405020304" pitchFamily="18" charset="0"/>
+                <a:ea typeface="Times New Roman" panose="02020603050405020304" pitchFamily="18" charset="0"/>
+              </a:rPr>
+              <a:t> , G. </a:t>
+            </a:r>
+            <a:r>
+              <a:rPr lang="en-US" sz="1800" i="1" dirty="0" err="1">
+                <a:effectLst/>
+                <a:latin typeface="Times New Roman" panose="02020603050405020304" pitchFamily="18" charset="0"/>
+                <a:ea typeface="Times New Roman" panose="02020603050405020304" pitchFamily="18" charset="0"/>
+              </a:rPr>
+              <a:t>Vachtsevanos</a:t>
+            </a:r>
+            <a:r>
+              <a:rPr lang="en-US" sz="1800" i="1" dirty="0">
+                <a:effectLst/>
+                <a:latin typeface="Times New Roman" panose="02020603050405020304" pitchFamily="18" charset="0"/>
+                <a:ea typeface="Times New Roman" panose="02020603050405020304" pitchFamily="18" charset="0"/>
+              </a:rPr>
+              <a:t>  (Reference 22).</a:t>
+            </a:r>
+            <a:endParaRPr lang="en-US" sz="1800" dirty="0">
+              <a:effectLst/>
+              <a:latin typeface="Times New Roman" panose="02020603050405020304" pitchFamily="18" charset="0"/>
+              <a:ea typeface="Times New Roman" panose="02020603050405020304" pitchFamily="18" charset="0"/>
+            </a:endParaRPr>
+          </a:p>
+          <a:p>
+            <a:pPr marR="0" indent="0">
+              <a:spcBef>
+                <a:spcPts val="0"/>
+              </a:spcBef>
+              <a:spcAft>
+                <a:spcPts val="0"/>
+              </a:spcAft>
+              <a:buNone/>
+            </a:pPr>
+            <a:r>
+              <a:rPr lang="en-US" sz="1800" dirty="0">
+                <a:effectLst/>
+                <a:latin typeface="Times New Roman" panose="02020603050405020304" pitchFamily="18" charset="0"/>
+                <a:ea typeface="Times New Roman" panose="02020603050405020304" pitchFamily="18" charset="0"/>
+              </a:rPr>
+              <a:t>In this paper, the researchers utilized a Bayes Classifier for age based classification. Bayes Classifiers work by utilizing prior probabilities to calculate the probability that a data sample belongs in any given class. It does this by multiplying the probability that the data point is in the group (by using the groups frequency over N) then multiplies this by the likelihood of each feature of the example appearing in that group. When done for every group, we get a set of probabilities, and we choose the highest value as our prediction. </a:t>
+            </a:r>
+          </a:p>
+          <a:p>
+            <a:pPr marR="0" indent="0">
+              <a:spcBef>
+                <a:spcPts val="0"/>
+              </a:spcBef>
+              <a:spcAft>
+                <a:spcPts val="0"/>
+              </a:spcAft>
+              <a:buNone/>
+            </a:pPr>
+            <a:r>
+              <a:rPr lang="en-US" sz="1800" dirty="0">
+                <a:effectLst/>
+                <a:latin typeface="Times New Roman" panose="02020603050405020304" pitchFamily="18" charset="0"/>
+                <a:ea typeface="Times New Roman" panose="02020603050405020304" pitchFamily="18" charset="0"/>
+              </a:rPr>
+              <a:t> </a:t>
+            </a:r>
+          </a:p>
+          <a:p>
+            <a:pPr marL="0" marR="0" indent="0">
+              <a:spcBef>
+                <a:spcPts val="0"/>
+              </a:spcBef>
+              <a:spcAft>
+                <a:spcPts val="0"/>
+              </a:spcAft>
+              <a:buNone/>
+            </a:pPr>
+            <a:r>
+              <a:rPr lang="en-US" sz="1800" b="1" u="sng" dirty="0">
+                <a:effectLst/>
+                <a:latin typeface="Times New Roman" panose="02020603050405020304" pitchFamily="18" charset="0"/>
+                <a:ea typeface="Times New Roman" panose="02020603050405020304" pitchFamily="18" charset="0"/>
+              </a:rPr>
+              <a:t>Complexity</a:t>
+            </a:r>
+            <a:r>
+              <a:rPr lang="en-US" sz="1800" u="sng" dirty="0">
+                <a:effectLst/>
+                <a:latin typeface="Times New Roman" panose="02020603050405020304" pitchFamily="18" charset="0"/>
+                <a:ea typeface="Times New Roman" panose="02020603050405020304" pitchFamily="18" charset="0"/>
+              </a:rPr>
+              <a:t>:</a:t>
+            </a:r>
+            <a:endParaRPr lang="en-US" sz="1800" dirty="0">
+              <a:effectLst/>
+              <a:latin typeface="Times New Roman" panose="02020603050405020304" pitchFamily="18" charset="0"/>
+              <a:ea typeface="Times New Roman" panose="02020603050405020304" pitchFamily="18" charset="0"/>
+            </a:endParaRPr>
+          </a:p>
+          <a:p>
+            <a:pPr marL="0" marR="0" indent="0">
+              <a:spcBef>
+                <a:spcPts val="0"/>
+              </a:spcBef>
+              <a:spcAft>
+                <a:spcPts val="0"/>
+              </a:spcAft>
+              <a:buNone/>
+            </a:pPr>
+            <a:r>
+              <a:rPr lang="en-US" sz="1800" dirty="0">
+                <a:effectLst/>
+                <a:latin typeface="Times New Roman" panose="02020603050405020304" pitchFamily="18" charset="0"/>
+                <a:ea typeface="Times New Roman" panose="02020603050405020304" pitchFamily="18" charset="0"/>
+              </a:rPr>
+              <a:t>As before, we will split the complexity into training complexity and predicting complexity.</a:t>
+            </a:r>
+          </a:p>
+          <a:p>
+            <a:pPr marL="0" marR="0" indent="0">
+              <a:spcBef>
+                <a:spcPts val="0"/>
+              </a:spcBef>
+              <a:spcAft>
+                <a:spcPts val="0"/>
+              </a:spcAft>
+              <a:buNone/>
+            </a:pPr>
+            <a:r>
+              <a:rPr lang="en-US" sz="1800" u="none" strike="noStrike" dirty="0">
+                <a:effectLst/>
+                <a:latin typeface="Times New Roman" panose="02020603050405020304" pitchFamily="18" charset="0"/>
+                <a:ea typeface="Times New Roman" panose="02020603050405020304" pitchFamily="18" charset="0"/>
+              </a:rPr>
+              <a:t> </a:t>
+            </a:r>
+            <a:endParaRPr lang="en-US" sz="1800" dirty="0">
+              <a:effectLst/>
+              <a:latin typeface="Times New Roman" panose="02020603050405020304" pitchFamily="18" charset="0"/>
+              <a:ea typeface="Times New Roman" panose="02020603050405020304" pitchFamily="18" charset="0"/>
+            </a:endParaRPr>
+          </a:p>
+          <a:p>
+            <a:pPr marL="0" marR="0" indent="0">
+              <a:spcBef>
+                <a:spcPts val="0"/>
+              </a:spcBef>
+              <a:spcAft>
+                <a:spcPts val="0"/>
+              </a:spcAft>
+              <a:buNone/>
+            </a:pPr>
+            <a:r>
+              <a:rPr lang="en-US" sz="1800" u="sng" dirty="0">
+                <a:effectLst/>
+                <a:latin typeface="Times New Roman" panose="02020603050405020304" pitchFamily="18" charset="0"/>
+                <a:ea typeface="Times New Roman" panose="02020603050405020304" pitchFamily="18" charset="0"/>
+              </a:rPr>
+              <a:t>Training:</a:t>
+            </a:r>
+            <a:r>
+              <a:rPr lang="en-US" sz="1800" dirty="0">
+                <a:effectLst/>
+                <a:latin typeface="Times New Roman" panose="02020603050405020304" pitchFamily="18" charset="0"/>
+                <a:ea typeface="Times New Roman" panose="02020603050405020304" pitchFamily="18" charset="0"/>
+              </a:rPr>
+              <a:t> For training, we utilize the number of datapoints (n) and for each we utilize each feature (m) and compute the statistics based on these. This we can claim that for our binary approach, the complexity to </a:t>
+            </a:r>
+            <a:r>
+              <a:rPr lang="en-US" sz="1800" b="1" dirty="0">
+                <a:effectLst/>
+                <a:latin typeface="Times New Roman" panose="02020603050405020304" pitchFamily="18" charset="0"/>
+                <a:ea typeface="Times New Roman" panose="02020603050405020304" pitchFamily="18" charset="0"/>
+              </a:rPr>
+              <a:t>train</a:t>
+            </a:r>
+            <a:r>
+              <a:rPr lang="en-US" sz="1800" dirty="0">
+                <a:effectLst/>
+                <a:latin typeface="Times New Roman" panose="02020603050405020304" pitchFamily="18" charset="0"/>
+                <a:ea typeface="Times New Roman" panose="02020603050405020304" pitchFamily="18" charset="0"/>
+              </a:rPr>
+              <a:t> the model would be </a:t>
+            </a:r>
+            <a:r>
+              <a:rPr lang="en-US" sz="1800" u="sng" dirty="0">
+                <a:effectLst/>
+                <a:latin typeface="Times New Roman" panose="02020603050405020304" pitchFamily="18" charset="0"/>
+                <a:ea typeface="Times New Roman" panose="02020603050405020304" pitchFamily="18" charset="0"/>
+              </a:rPr>
+              <a:t>O(n*m). </a:t>
+            </a:r>
+            <a:r>
+              <a:rPr lang="en-US" sz="1800" dirty="0">
+                <a:effectLst/>
+                <a:latin typeface="Times New Roman" panose="02020603050405020304" pitchFamily="18" charset="0"/>
+                <a:ea typeface="Times New Roman" panose="02020603050405020304" pitchFamily="18" charset="0"/>
+              </a:rPr>
+              <a:t>This is significantly faster training than our other two models.</a:t>
+            </a:r>
+          </a:p>
+          <a:p>
+            <a:pPr marL="0" marR="0" indent="0">
+              <a:spcBef>
+                <a:spcPts val="0"/>
+              </a:spcBef>
+              <a:spcAft>
+                <a:spcPts val="0"/>
+              </a:spcAft>
+              <a:buNone/>
+            </a:pPr>
+            <a:r>
+              <a:rPr lang="en-US" sz="1800" dirty="0">
+                <a:effectLst/>
+                <a:latin typeface="Times New Roman" panose="02020603050405020304" pitchFamily="18" charset="0"/>
+                <a:ea typeface="Times New Roman" panose="02020603050405020304" pitchFamily="18" charset="0"/>
+              </a:rPr>
+              <a:t>      </a:t>
+            </a:r>
+          </a:p>
+          <a:p>
+            <a:pPr marL="0" marR="0" indent="0">
+              <a:spcBef>
+                <a:spcPts val="0"/>
+              </a:spcBef>
+              <a:spcAft>
+                <a:spcPts val="0"/>
+              </a:spcAft>
+              <a:buNone/>
+            </a:pPr>
+            <a:r>
+              <a:rPr lang="en-US" sz="1800" dirty="0">
+                <a:effectLst/>
+                <a:latin typeface="Times New Roman" panose="02020603050405020304" pitchFamily="18" charset="0"/>
+                <a:ea typeface="Times New Roman" panose="02020603050405020304" pitchFamily="18" charset="0"/>
+              </a:rPr>
+              <a:t>       </a:t>
+            </a:r>
+            <a:r>
+              <a:rPr lang="en-US" sz="1800" u="sng" dirty="0">
+                <a:effectLst/>
+                <a:latin typeface="Times New Roman" panose="02020603050405020304" pitchFamily="18" charset="0"/>
+                <a:ea typeface="Times New Roman" panose="02020603050405020304" pitchFamily="18" charset="0"/>
+              </a:rPr>
+              <a:t>Prediction</a:t>
+            </a:r>
+            <a:r>
+              <a:rPr lang="en-US" sz="1800" dirty="0">
+                <a:effectLst/>
+                <a:latin typeface="Times New Roman" panose="02020603050405020304" pitchFamily="18" charset="0"/>
+                <a:ea typeface="Times New Roman" panose="02020603050405020304" pitchFamily="18" charset="0"/>
+              </a:rPr>
+              <a:t>: Predicting our datapoint in this unsupervised algorithm is not linear as it was in our supervised algorithm. It checks each cluster (2) by the number of features in the sample (n), this for our </a:t>
+            </a:r>
+            <a:r>
+              <a:rPr lang="en-US" sz="1800" b="1" dirty="0">
+                <a:effectLst/>
+                <a:latin typeface="Times New Roman" panose="02020603050405020304" pitchFamily="18" charset="0"/>
+                <a:ea typeface="Times New Roman" panose="02020603050405020304" pitchFamily="18" charset="0"/>
+              </a:rPr>
+              <a:t>prediction</a:t>
+            </a:r>
+            <a:r>
+              <a:rPr lang="en-US" sz="1800" dirty="0">
+                <a:effectLst/>
+                <a:latin typeface="Times New Roman" panose="02020603050405020304" pitchFamily="18" charset="0"/>
+                <a:ea typeface="Times New Roman" panose="02020603050405020304" pitchFamily="18" charset="0"/>
+              </a:rPr>
+              <a:t> approach our complexity is 2n or </a:t>
+            </a:r>
+            <a:r>
+              <a:rPr lang="en-US" sz="1800" u="sng" dirty="0">
+                <a:effectLst/>
+                <a:latin typeface="Times New Roman" panose="02020603050405020304" pitchFamily="18" charset="0"/>
+                <a:ea typeface="Times New Roman" panose="02020603050405020304" pitchFamily="18" charset="0"/>
+              </a:rPr>
+              <a:t>O(n),</a:t>
+            </a:r>
+            <a:r>
+              <a:rPr lang="en-US" sz="1800" dirty="0">
+                <a:effectLst/>
+                <a:latin typeface="Times New Roman" panose="02020603050405020304" pitchFamily="18" charset="0"/>
+                <a:ea typeface="Times New Roman" panose="02020603050405020304" pitchFamily="18" charset="0"/>
+              </a:rPr>
+              <a:t> but in cases where the number of clusters is not simple, we can cay O(n*m)</a:t>
+            </a:r>
+          </a:p>
+          <a:p>
+            <a:endParaRPr lang="en-US" dirty="0"/>
+          </a:p>
+        </p:txBody>
+      </p:sp>
+    </p:spTree>
+    <p:extLst>
+      <p:ext uri="{BB962C8B-B14F-4D97-AF65-F5344CB8AC3E}">
+        <p14:creationId xmlns:p14="http://schemas.microsoft.com/office/powerpoint/2010/main" val="3369101812"/>
+      </p:ext>
+    </p:extLst>
+  </p:cSld>
+  <p:clrMapOvr>
+    <a:masterClrMapping/>
+  </p:clrMapOvr>
+</p:sld>
+</file>
+
+<file path=ppt/slides/slide11.xml><?xml version="1.0" encoding="utf-8"?>
 <p:sld xmlns:a="http://schemas.openxmlformats.org/drawingml/2006/main" xmlns:r="http://schemas.openxmlformats.org/officeDocument/2006/relationships" xmlns:p="http://schemas.openxmlformats.org/presentationml/2006/main">
   <p:cSld>
     <p:spTree>
@@ -9147,7 +9560,7 @@
 </p:sld>
 </file>
 
-<file path=ppt/slides/slide11.xml><?xml version="1.0" encoding="utf-8"?>
+<file path=ppt/slides/slide12.xml><?xml version="1.0" encoding="utf-8"?>
 <p:sld xmlns:a="http://schemas.openxmlformats.org/drawingml/2006/main" xmlns:r="http://schemas.openxmlformats.org/officeDocument/2006/relationships" xmlns:p="http://schemas.openxmlformats.org/presentationml/2006/main">
   <p:cSld>
     <p:spTree>
@@ -10113,6 +10526,167 @@
           <p:cNvPr id="2" name="Title 1">
             <a:extLst>
               <a:ext uri="{FF2B5EF4-FFF2-40B4-BE49-F238E27FC236}">
+                <a16:creationId xmlns:a16="http://schemas.microsoft.com/office/drawing/2014/main" id="{C8CCC7B7-64FA-74E4-810C-86F7EF4F1146}"/>
+              </a:ext>
+            </a:extLst>
+          </p:cNvPr>
+          <p:cNvSpPr>
+            <a:spLocks noGrp="1"/>
+          </p:cNvSpPr>
+          <p:nvPr>
+            <p:ph type="title"/>
+          </p:nvPr>
+        </p:nvSpPr>
+        <p:spPr/>
+        <p:txBody>
+          <a:bodyPr/>
+          <a:lstStyle/>
+          <a:p>
+            <a:r>
+              <a:rPr lang="en-US" dirty="0"/>
+              <a:t>Feature Reduction</a:t>
+            </a:r>
+          </a:p>
+        </p:txBody>
+      </p:sp>
+      <p:sp>
+        <p:nvSpPr>
+          <p:cNvPr id="3" name="Content Placeholder 2">
+            <a:extLst>
+              <a:ext uri="{FF2B5EF4-FFF2-40B4-BE49-F238E27FC236}">
+                <a16:creationId xmlns:a16="http://schemas.microsoft.com/office/drawing/2014/main" id="{730585F4-4C2E-B4A2-4290-C08710056CBF}"/>
+              </a:ext>
+            </a:extLst>
+          </p:cNvPr>
+          <p:cNvSpPr>
+            <a:spLocks noGrp="1"/>
+          </p:cNvSpPr>
+          <p:nvPr>
+            <p:ph idx="1"/>
+          </p:nvPr>
+        </p:nvSpPr>
+        <p:spPr/>
+        <p:txBody>
+          <a:bodyPr/>
+          <a:lstStyle/>
+          <a:p>
+            <a:pPr marL="0" marR="0" indent="0">
+              <a:spcBef>
+                <a:spcPts val="0"/>
+              </a:spcBef>
+              <a:spcAft>
+                <a:spcPts val="0"/>
+              </a:spcAft>
+              <a:buNone/>
+            </a:pPr>
+            <a:r>
+              <a:rPr lang="en-US" sz="1800" b="1" u="sng" dirty="0">
+                <a:effectLst/>
+                <a:latin typeface="Times New Roman" panose="02020603050405020304" pitchFamily="18" charset="0"/>
+                <a:ea typeface="Times New Roman" panose="02020603050405020304" pitchFamily="18" charset="0"/>
+              </a:rPr>
+              <a:t>Feature reduction:</a:t>
+            </a:r>
+            <a:endParaRPr lang="en-US" sz="1800" dirty="0">
+              <a:effectLst/>
+              <a:latin typeface="Times New Roman" panose="02020603050405020304" pitchFamily="18" charset="0"/>
+              <a:ea typeface="Times New Roman" panose="02020603050405020304" pitchFamily="18" charset="0"/>
+            </a:endParaRPr>
+          </a:p>
+          <a:p>
+            <a:pPr marL="0" marR="0" indent="0">
+              <a:spcBef>
+                <a:spcPts val="0"/>
+              </a:spcBef>
+              <a:spcAft>
+                <a:spcPts val="0"/>
+              </a:spcAft>
+              <a:buNone/>
+            </a:pPr>
+            <a:r>
+              <a:rPr lang="en-US" sz="1800" dirty="0">
+                <a:effectLst/>
+                <a:latin typeface="Times New Roman" panose="02020603050405020304" pitchFamily="18" charset="0"/>
+                <a:ea typeface="Times New Roman" panose="02020603050405020304" pitchFamily="18" charset="0"/>
+              </a:rPr>
+              <a:t>	This algorithm utilizes a divide and conquer approach to reduce the number of features while maintain accuracy. This allows for the model to run more efferently as it no longer has to process a high dimensionality of data. Here is the approach: </a:t>
+            </a:r>
+          </a:p>
+          <a:p>
+            <a:pPr marL="0" marR="0" indent="0">
+              <a:spcBef>
+                <a:spcPts val="0"/>
+              </a:spcBef>
+              <a:spcAft>
+                <a:spcPts val="0"/>
+              </a:spcAft>
+              <a:buNone/>
+            </a:pPr>
+            <a:r>
+              <a:rPr lang="en-US" sz="1800" dirty="0">
+                <a:effectLst/>
+                <a:latin typeface="Times New Roman" panose="02020603050405020304" pitchFamily="18" charset="0"/>
+                <a:ea typeface="Times New Roman" panose="02020603050405020304" pitchFamily="18" charset="0"/>
+              </a:rPr>
+              <a:t>The time complexity of the feature reduction can be considered m (log reg model epochs) * n (size of data) * log(n) (reduction) or </a:t>
+            </a:r>
+            <a:r>
+              <a:rPr lang="en-US" sz="1800" b="1" u="sng" dirty="0">
+                <a:effectLst/>
+                <a:latin typeface="Times New Roman" panose="02020603050405020304" pitchFamily="18" charset="0"/>
+                <a:ea typeface="Times New Roman" panose="02020603050405020304" pitchFamily="18" charset="0"/>
+              </a:rPr>
+              <a:t>O(m*n*log(n))</a:t>
+            </a:r>
+            <a:endParaRPr lang="en-US" sz="1800" dirty="0">
+              <a:effectLst/>
+              <a:latin typeface="Times New Roman" panose="02020603050405020304" pitchFamily="18" charset="0"/>
+              <a:ea typeface="Times New Roman" panose="02020603050405020304" pitchFamily="18" charset="0"/>
+            </a:endParaRPr>
+          </a:p>
+          <a:p>
+            <a:pPr marL="0" indent="0">
+              <a:buNone/>
+            </a:pPr>
+            <a:endParaRPr lang="en-US" dirty="0"/>
+          </a:p>
+        </p:txBody>
+      </p:sp>
+    </p:spTree>
+    <p:extLst>
+      <p:ext uri="{BB962C8B-B14F-4D97-AF65-F5344CB8AC3E}">
+        <p14:creationId xmlns:p14="http://schemas.microsoft.com/office/powerpoint/2010/main" val="3086439088"/>
+      </p:ext>
+    </p:extLst>
+  </p:cSld>
+  <p:clrMapOvr>
+    <a:masterClrMapping/>
+  </p:clrMapOvr>
+</p:sld>
+</file>
+
+<file path=ppt/slides/slide5.xml><?xml version="1.0" encoding="utf-8"?>
+<p:sld xmlns:a="http://schemas.openxmlformats.org/drawingml/2006/main" xmlns:r="http://schemas.openxmlformats.org/officeDocument/2006/relationships" xmlns:p="http://schemas.openxmlformats.org/presentationml/2006/main">
+  <p:cSld>
+    <p:spTree>
+      <p:nvGrpSpPr>
+        <p:cNvPr id="1" name=""/>
+        <p:cNvGrpSpPr/>
+        <p:nvPr/>
+      </p:nvGrpSpPr>
+      <p:grpSpPr>
+        <a:xfrm>
+          <a:off x="0" y="0"/>
+          <a:ext cx="0" cy="0"/>
+          <a:chOff x="0" y="0"/>
+          <a:chExt cx="0" cy="0"/>
+        </a:xfrm>
+      </p:grpSpPr>
+      <p:sp>
+        <p:nvSpPr>
+          <p:cNvPr id="2" name="Title 1">
+            <a:extLst>
+              <a:ext uri="{FF2B5EF4-FFF2-40B4-BE49-F238E27FC236}">
                 <a16:creationId xmlns:a16="http://schemas.microsoft.com/office/drawing/2014/main" id="{65BBD280-DC38-5E07-EC79-0EF13B810258}"/>
               </a:ext>
             </a:extLst>
@@ -10477,7 +11051,7 @@
 </p:sld>
 </file>
 
-<file path=ppt/slides/slide5.xml><?xml version="1.0" encoding="utf-8"?>
+<file path=ppt/slides/slide6.xml><?xml version="1.0" encoding="utf-8"?>
 <p:sld xmlns:a="http://schemas.openxmlformats.org/drawingml/2006/main" xmlns:r="http://schemas.openxmlformats.org/officeDocument/2006/relationships" xmlns:p="http://schemas.openxmlformats.org/presentationml/2006/main">
   <p:cSld>
     <p:spTree>
@@ -10884,7 +11458,7 @@
 </p:sld>
 </file>
 
-<file path=ppt/slides/slide6.xml><?xml version="1.0" encoding="utf-8"?>
+<file path=ppt/slides/slide7.xml><?xml version="1.0" encoding="utf-8"?>
 <p:sld xmlns:a="http://schemas.openxmlformats.org/drawingml/2006/main" xmlns:r="http://schemas.openxmlformats.org/officeDocument/2006/relationships" xmlns:p="http://schemas.openxmlformats.org/presentationml/2006/main">
   <p:cSld>
     <p:spTree>
@@ -12019,7 +12593,7 @@
 </p:sld>
 </file>
 
-<file path=ppt/slides/slide7.xml><?xml version="1.0" encoding="utf-8"?>
+<file path=ppt/slides/slide8.xml><?xml version="1.0" encoding="utf-8"?>
 <p:sld xmlns:a="http://schemas.openxmlformats.org/drawingml/2006/main" xmlns:r="http://schemas.openxmlformats.org/officeDocument/2006/relationships" xmlns:p="http://schemas.openxmlformats.org/presentationml/2006/main">
   <p:cSld>
     <p:spTree>
@@ -12378,7 +12952,7 @@
 </p:sld>
 </file>
 
-<file path=ppt/slides/slide8.xml><?xml version="1.0" encoding="utf-8"?>
+<file path=ppt/slides/slide9.xml><?xml version="1.0" encoding="utf-8"?>
 <p:sld xmlns:a="http://schemas.openxmlformats.org/drawingml/2006/main" xmlns:r="http://schemas.openxmlformats.org/officeDocument/2006/relationships" xmlns:p="http://schemas.openxmlformats.org/presentationml/2006/main">
   <p:cSld>
     <p:spTree>
@@ -13418,413 +13992,6 @@
 </p:sld>
 </file>
 
-<file path=ppt/slides/slide9.xml><?xml version="1.0" encoding="utf-8"?>
-<p:sld xmlns:a="http://schemas.openxmlformats.org/drawingml/2006/main" xmlns:r="http://schemas.openxmlformats.org/officeDocument/2006/relationships" xmlns:p="http://schemas.openxmlformats.org/presentationml/2006/main">
-  <p:cSld>
-    <p:spTree>
-      <p:nvGrpSpPr>
-        <p:cNvPr id="1" name=""/>
-        <p:cNvGrpSpPr/>
-        <p:nvPr/>
-      </p:nvGrpSpPr>
-      <p:grpSpPr>
-        <a:xfrm>
-          <a:off x="0" y="0"/>
-          <a:ext cx="0" cy="0"/>
-          <a:chOff x="0" y="0"/>
-          <a:chExt cx="0" cy="0"/>
-        </a:xfrm>
-      </p:grpSpPr>
-      <p:sp>
-        <p:nvSpPr>
-          <p:cNvPr id="2" name="Title 1">
-            <a:extLst>
-              <a:ext uri="{FF2B5EF4-FFF2-40B4-BE49-F238E27FC236}">
-                <a16:creationId xmlns:a16="http://schemas.microsoft.com/office/drawing/2014/main" id="{D37670C9-0F02-0680-8B8D-2F952372FA69}"/>
-              </a:ext>
-            </a:extLst>
-          </p:cNvPr>
-          <p:cNvSpPr>
-            <a:spLocks noGrp="1"/>
-          </p:cNvSpPr>
-          <p:nvPr>
-            <p:ph type="title"/>
-          </p:nvPr>
-        </p:nvSpPr>
-        <p:spPr/>
-        <p:txBody>
-          <a:bodyPr/>
-          <a:lstStyle/>
-          <a:p>
-            <a:r>
-              <a:rPr lang="en-US" dirty="0"/>
-              <a:t>Statistical Modeling</a:t>
-            </a:r>
-          </a:p>
-        </p:txBody>
-      </p:sp>
-      <p:sp>
-        <p:nvSpPr>
-          <p:cNvPr id="3" name="Content Placeholder 2">
-            <a:extLst>
-              <a:ext uri="{FF2B5EF4-FFF2-40B4-BE49-F238E27FC236}">
-                <a16:creationId xmlns:a16="http://schemas.microsoft.com/office/drawing/2014/main" id="{32BD3D61-C166-2A9B-2C5D-A2B5A8D115F2}"/>
-              </a:ext>
-            </a:extLst>
-          </p:cNvPr>
-          <p:cNvSpPr>
-            <a:spLocks noGrp="1"/>
-          </p:cNvSpPr>
-          <p:nvPr>
-            <p:ph idx="1"/>
-          </p:nvPr>
-        </p:nvSpPr>
-        <p:spPr/>
-        <p:txBody>
-          <a:bodyPr>
-            <a:normAutofit fontScale="85000" lnSpcReduction="20000"/>
-          </a:bodyPr>
-          <a:lstStyle/>
-          <a:p>
-            <a:pPr marR="0" indent="0">
-              <a:spcBef>
-                <a:spcPts val="0"/>
-              </a:spcBef>
-              <a:spcAft>
-                <a:spcPts val="0"/>
-              </a:spcAft>
-              <a:buNone/>
-            </a:pPr>
-            <a:r>
-              <a:rPr lang="en-US" sz="1800" dirty="0">
-                <a:effectLst/>
-                <a:latin typeface="Times New Roman" panose="02020603050405020304" pitchFamily="18" charset="0"/>
-                <a:ea typeface="Times New Roman" panose="02020603050405020304" pitchFamily="18" charset="0"/>
-              </a:rPr>
-              <a:t>Statistical Modeling is another method of utilizing models to predict a diagnosis. An excellent example can be found in the paper, </a:t>
-            </a:r>
-            <a:r>
-              <a:rPr lang="en-US" sz="1800" i="1" dirty="0">
-                <a:effectLst/>
-                <a:latin typeface="Times New Roman" panose="02020603050405020304" pitchFamily="18" charset="0"/>
-                <a:ea typeface="Times New Roman" panose="02020603050405020304" pitchFamily="18" charset="0"/>
-              </a:rPr>
-              <a:t>Evolving a Bayesian classifier for ECG-based age classification in medical applications by M. Wiggins , A. Saad, B. </a:t>
-            </a:r>
-            <a:r>
-              <a:rPr lang="en-US" sz="1800" i="1" dirty="0" err="1">
-                <a:effectLst/>
-                <a:latin typeface="Times New Roman" panose="02020603050405020304" pitchFamily="18" charset="0"/>
-                <a:ea typeface="Times New Roman" panose="02020603050405020304" pitchFamily="18" charset="0"/>
-              </a:rPr>
-              <a:t>Litt</a:t>
-            </a:r>
-            <a:r>
-              <a:rPr lang="en-US" sz="1800" i="1" dirty="0">
-                <a:effectLst/>
-                <a:latin typeface="Times New Roman" panose="02020603050405020304" pitchFamily="18" charset="0"/>
-                <a:ea typeface="Times New Roman" panose="02020603050405020304" pitchFamily="18" charset="0"/>
-              </a:rPr>
-              <a:t> , G. </a:t>
-            </a:r>
-            <a:r>
-              <a:rPr lang="en-US" sz="1800" i="1" dirty="0" err="1">
-                <a:effectLst/>
-                <a:latin typeface="Times New Roman" panose="02020603050405020304" pitchFamily="18" charset="0"/>
-                <a:ea typeface="Times New Roman" panose="02020603050405020304" pitchFamily="18" charset="0"/>
-              </a:rPr>
-              <a:t>Vachtsevanos</a:t>
-            </a:r>
-            <a:r>
-              <a:rPr lang="en-US" sz="1800" i="1" dirty="0">
-                <a:effectLst/>
-                <a:latin typeface="Times New Roman" panose="02020603050405020304" pitchFamily="18" charset="0"/>
-                <a:ea typeface="Times New Roman" panose="02020603050405020304" pitchFamily="18" charset="0"/>
-              </a:rPr>
-              <a:t>  (Reference 22).</a:t>
-            </a:r>
-            <a:endParaRPr lang="en-US" sz="1800" dirty="0">
-              <a:effectLst/>
-              <a:latin typeface="Times New Roman" panose="02020603050405020304" pitchFamily="18" charset="0"/>
-              <a:ea typeface="Times New Roman" panose="02020603050405020304" pitchFamily="18" charset="0"/>
-            </a:endParaRPr>
-          </a:p>
-          <a:p>
-            <a:pPr marR="0" indent="0">
-              <a:spcBef>
-                <a:spcPts val="0"/>
-              </a:spcBef>
-              <a:spcAft>
-                <a:spcPts val="0"/>
-              </a:spcAft>
-              <a:buNone/>
-            </a:pPr>
-            <a:r>
-              <a:rPr lang="en-US" sz="1800" dirty="0">
-                <a:effectLst/>
-                <a:latin typeface="Times New Roman" panose="02020603050405020304" pitchFamily="18" charset="0"/>
-                <a:ea typeface="Times New Roman" panose="02020603050405020304" pitchFamily="18" charset="0"/>
-              </a:rPr>
-              <a:t>In this paper, the researchers utilized a Bayes Classifier for age based classification. Bayes Classifiers work by utilizing prior probabilities to calculate the probability that a data sample belongs in any given class. It does this by multiplying the probability that the data point is in the group (by using the groups frequency over N) then multiplies this by the likelihood of each feature of the example appearing in that group. When done for every group, we get a set of probabilities, and we choose the highest value as our prediction. </a:t>
-            </a:r>
-          </a:p>
-          <a:p>
-            <a:pPr marR="0" indent="0">
-              <a:spcBef>
-                <a:spcPts val="0"/>
-              </a:spcBef>
-              <a:spcAft>
-                <a:spcPts val="0"/>
-              </a:spcAft>
-              <a:buNone/>
-            </a:pPr>
-            <a:r>
-              <a:rPr lang="en-US" sz="1800" dirty="0">
-                <a:effectLst/>
-                <a:latin typeface="Times New Roman" panose="02020603050405020304" pitchFamily="18" charset="0"/>
-                <a:ea typeface="Times New Roman" panose="02020603050405020304" pitchFamily="18" charset="0"/>
-              </a:rPr>
-              <a:t> </a:t>
-            </a:r>
-          </a:p>
-          <a:p>
-            <a:pPr marL="0" marR="0" indent="0">
-              <a:spcBef>
-                <a:spcPts val="0"/>
-              </a:spcBef>
-              <a:spcAft>
-                <a:spcPts val="0"/>
-              </a:spcAft>
-              <a:buNone/>
-            </a:pPr>
-            <a:r>
-              <a:rPr lang="en-US" sz="1800" b="1" u="sng" dirty="0">
-                <a:effectLst/>
-                <a:latin typeface="Times New Roman" panose="02020603050405020304" pitchFamily="18" charset="0"/>
-                <a:ea typeface="Times New Roman" panose="02020603050405020304" pitchFamily="18" charset="0"/>
-              </a:rPr>
-              <a:t>Complexity</a:t>
-            </a:r>
-            <a:r>
-              <a:rPr lang="en-US" sz="1800" u="sng" dirty="0">
-                <a:effectLst/>
-                <a:latin typeface="Times New Roman" panose="02020603050405020304" pitchFamily="18" charset="0"/>
-                <a:ea typeface="Times New Roman" panose="02020603050405020304" pitchFamily="18" charset="0"/>
-              </a:rPr>
-              <a:t>:</a:t>
-            </a:r>
-            <a:endParaRPr lang="en-US" sz="1800" dirty="0">
-              <a:effectLst/>
-              <a:latin typeface="Times New Roman" panose="02020603050405020304" pitchFamily="18" charset="0"/>
-              <a:ea typeface="Times New Roman" panose="02020603050405020304" pitchFamily="18" charset="0"/>
-            </a:endParaRPr>
-          </a:p>
-          <a:p>
-            <a:pPr marL="0" marR="0" indent="0">
-              <a:spcBef>
-                <a:spcPts val="0"/>
-              </a:spcBef>
-              <a:spcAft>
-                <a:spcPts val="0"/>
-              </a:spcAft>
-              <a:buNone/>
-            </a:pPr>
-            <a:r>
-              <a:rPr lang="en-US" sz="1800" dirty="0">
-                <a:effectLst/>
-                <a:latin typeface="Times New Roman" panose="02020603050405020304" pitchFamily="18" charset="0"/>
-                <a:ea typeface="Times New Roman" panose="02020603050405020304" pitchFamily="18" charset="0"/>
-              </a:rPr>
-              <a:t>As before, we will split the complexity into training complexity and predicting complexity.</a:t>
-            </a:r>
-          </a:p>
-          <a:p>
-            <a:pPr marL="0" marR="0" indent="0">
-              <a:spcBef>
-                <a:spcPts val="0"/>
-              </a:spcBef>
-              <a:spcAft>
-                <a:spcPts val="0"/>
-              </a:spcAft>
-              <a:buNone/>
-            </a:pPr>
-            <a:r>
-              <a:rPr lang="en-US" sz="1800" u="none" strike="noStrike" dirty="0">
-                <a:effectLst/>
-                <a:latin typeface="Times New Roman" panose="02020603050405020304" pitchFamily="18" charset="0"/>
-                <a:ea typeface="Times New Roman" panose="02020603050405020304" pitchFamily="18" charset="0"/>
-              </a:rPr>
-              <a:t> </a:t>
-            </a:r>
-            <a:endParaRPr lang="en-US" sz="1800" dirty="0">
-              <a:effectLst/>
-              <a:latin typeface="Times New Roman" panose="02020603050405020304" pitchFamily="18" charset="0"/>
-              <a:ea typeface="Times New Roman" panose="02020603050405020304" pitchFamily="18" charset="0"/>
-            </a:endParaRPr>
-          </a:p>
-          <a:p>
-            <a:pPr marL="0" marR="0" indent="0">
-              <a:spcBef>
-                <a:spcPts val="0"/>
-              </a:spcBef>
-              <a:spcAft>
-                <a:spcPts val="0"/>
-              </a:spcAft>
-              <a:buNone/>
-            </a:pPr>
-            <a:r>
-              <a:rPr lang="en-US" sz="1800" u="sng" dirty="0">
-                <a:effectLst/>
-                <a:latin typeface="Times New Roman" panose="02020603050405020304" pitchFamily="18" charset="0"/>
-                <a:ea typeface="Times New Roman" panose="02020603050405020304" pitchFamily="18" charset="0"/>
-              </a:rPr>
-              <a:t>Training:</a:t>
-            </a:r>
-            <a:r>
-              <a:rPr lang="en-US" sz="1800" dirty="0">
-                <a:effectLst/>
-                <a:latin typeface="Times New Roman" panose="02020603050405020304" pitchFamily="18" charset="0"/>
-                <a:ea typeface="Times New Roman" panose="02020603050405020304" pitchFamily="18" charset="0"/>
-              </a:rPr>
-              <a:t> For training, we utilize the number of datapoints (n) and for each we utilize each feature (m) and compute the statistics based on these. This we can claim that for our binary approach, the complexity to </a:t>
-            </a:r>
-            <a:r>
-              <a:rPr lang="en-US" sz="1800" b="1" dirty="0">
-                <a:effectLst/>
-                <a:latin typeface="Times New Roman" panose="02020603050405020304" pitchFamily="18" charset="0"/>
-                <a:ea typeface="Times New Roman" panose="02020603050405020304" pitchFamily="18" charset="0"/>
-              </a:rPr>
-              <a:t>train</a:t>
-            </a:r>
-            <a:r>
-              <a:rPr lang="en-US" sz="1800" dirty="0">
-                <a:effectLst/>
-                <a:latin typeface="Times New Roman" panose="02020603050405020304" pitchFamily="18" charset="0"/>
-                <a:ea typeface="Times New Roman" panose="02020603050405020304" pitchFamily="18" charset="0"/>
-              </a:rPr>
-              <a:t> the model would be </a:t>
-            </a:r>
-            <a:r>
-              <a:rPr lang="en-US" sz="1800" u="sng" dirty="0">
-                <a:effectLst/>
-                <a:latin typeface="Times New Roman" panose="02020603050405020304" pitchFamily="18" charset="0"/>
-                <a:ea typeface="Times New Roman" panose="02020603050405020304" pitchFamily="18" charset="0"/>
-              </a:rPr>
-              <a:t>O(n*m). </a:t>
-            </a:r>
-            <a:r>
-              <a:rPr lang="en-US" sz="1800" dirty="0">
-                <a:effectLst/>
-                <a:latin typeface="Times New Roman" panose="02020603050405020304" pitchFamily="18" charset="0"/>
-                <a:ea typeface="Times New Roman" panose="02020603050405020304" pitchFamily="18" charset="0"/>
-              </a:rPr>
-              <a:t>This is significantly faster training than our other two models.</a:t>
-            </a:r>
-          </a:p>
-          <a:p>
-            <a:pPr marL="0" marR="0" indent="0">
-              <a:spcBef>
-                <a:spcPts val="0"/>
-              </a:spcBef>
-              <a:spcAft>
-                <a:spcPts val="0"/>
-              </a:spcAft>
-              <a:buNone/>
-            </a:pPr>
-            <a:r>
-              <a:rPr lang="en-US" sz="1800" dirty="0">
-                <a:effectLst/>
-                <a:latin typeface="Times New Roman" panose="02020603050405020304" pitchFamily="18" charset="0"/>
-                <a:ea typeface="Times New Roman" panose="02020603050405020304" pitchFamily="18" charset="0"/>
-              </a:rPr>
-              <a:t>      </a:t>
-            </a:r>
-          </a:p>
-          <a:p>
-            <a:pPr marL="0" marR="0" indent="0">
-              <a:spcBef>
-                <a:spcPts val="0"/>
-              </a:spcBef>
-              <a:spcAft>
-                <a:spcPts val="0"/>
-              </a:spcAft>
-              <a:buNone/>
-            </a:pPr>
-            <a:r>
-              <a:rPr lang="en-US" sz="1800" dirty="0">
-                <a:effectLst/>
-                <a:latin typeface="Times New Roman" panose="02020603050405020304" pitchFamily="18" charset="0"/>
-                <a:ea typeface="Times New Roman" panose="02020603050405020304" pitchFamily="18" charset="0"/>
-              </a:rPr>
-              <a:t>       </a:t>
-            </a:r>
-            <a:r>
-              <a:rPr lang="en-US" sz="1800" u="sng" dirty="0">
-                <a:effectLst/>
-                <a:latin typeface="Times New Roman" panose="02020603050405020304" pitchFamily="18" charset="0"/>
-                <a:ea typeface="Times New Roman" panose="02020603050405020304" pitchFamily="18" charset="0"/>
-              </a:rPr>
-              <a:t>Prediction</a:t>
-            </a:r>
-            <a:r>
-              <a:rPr lang="en-US" sz="1800" dirty="0">
-                <a:effectLst/>
-                <a:latin typeface="Times New Roman" panose="02020603050405020304" pitchFamily="18" charset="0"/>
-                <a:ea typeface="Times New Roman" panose="02020603050405020304" pitchFamily="18" charset="0"/>
-              </a:rPr>
-              <a:t>: Predicting our datapoint in this unsupervised algorithm is not linear as it was in our supervised algorithm. It checks each cluster (2) by the number of features in the sample (n), this for our </a:t>
-            </a:r>
-            <a:r>
-              <a:rPr lang="en-US" sz="1800" b="1" dirty="0">
-                <a:effectLst/>
-                <a:latin typeface="Times New Roman" panose="02020603050405020304" pitchFamily="18" charset="0"/>
-                <a:ea typeface="Times New Roman" panose="02020603050405020304" pitchFamily="18" charset="0"/>
-              </a:rPr>
-              <a:t>prediction</a:t>
-            </a:r>
-            <a:r>
-              <a:rPr lang="en-US" sz="1800" dirty="0">
-                <a:effectLst/>
-                <a:latin typeface="Times New Roman" panose="02020603050405020304" pitchFamily="18" charset="0"/>
-                <a:ea typeface="Times New Roman" panose="02020603050405020304" pitchFamily="18" charset="0"/>
-              </a:rPr>
-              <a:t> approach our complexity is 2n or </a:t>
-            </a:r>
-            <a:r>
-              <a:rPr lang="en-US" sz="1800" u="sng" dirty="0">
-                <a:effectLst/>
-                <a:latin typeface="Times New Roman" panose="02020603050405020304" pitchFamily="18" charset="0"/>
-                <a:ea typeface="Times New Roman" panose="02020603050405020304" pitchFamily="18" charset="0"/>
-              </a:rPr>
-              <a:t>O(n),</a:t>
-            </a:r>
-            <a:r>
-              <a:rPr lang="en-US" sz="1800" dirty="0">
-                <a:effectLst/>
-                <a:latin typeface="Times New Roman" panose="02020603050405020304" pitchFamily="18" charset="0"/>
-                <a:ea typeface="Times New Roman" panose="02020603050405020304" pitchFamily="18" charset="0"/>
-              </a:rPr>
-              <a:t> but in cases where the number of clusters is not simple, we can cay O(n*m)</a:t>
-            </a:r>
-          </a:p>
-          <a:p>
-            <a:endParaRPr lang="en-US" dirty="0"/>
-          </a:p>
-        </p:txBody>
-      </p:sp>
-    </p:spTree>
-    <p:extLst>
-      <p:ext uri="{BB962C8B-B14F-4D97-AF65-F5344CB8AC3E}">
-        <p14:creationId xmlns:p14="http://schemas.microsoft.com/office/powerpoint/2010/main" val="3369101812"/>
-      </p:ext>
-    </p:extLst>
-  </p:cSld>
-  <p:clrMapOvr>
-    <a:masterClrMapping/>
-  </p:clrMapOvr>
-</p:sld>
-</file>
-
 <file path=ppt/theme/theme1.xml><?xml version="1.0" encoding="utf-8"?>
 <a:theme xmlns:a="http://schemas.openxmlformats.org/drawingml/2006/main" name="VanillaVTI">
   <a:themeElements>
